--- a/Javascript/img/ShapesTest.pptx
+++ b/Javascript/img/ShapesTest.pptx
@@ -6,7 +6,6 @@
   </p:sldMasterIdLst>
   <p:sldIdLst>
     <p:sldId id="256" r:id="rId2"/>
-    <p:sldId id="257" r:id="rId3"/>
   </p:sldIdLst>
   <p:sldSz cx="12192000" cy="6858000"/>
   <p:notesSz cx="6858000" cy="9144000"/>
@@ -130,7 +129,7 @@
           <p:cNvPr id="2" name="Title 1">
             <a:extLst>
               <a:ext uri="{FF2B5EF4-FFF2-40B4-BE49-F238E27FC236}">
-                <a16:creationId xmlns:a16="http://schemas.microsoft.com/office/drawing/2014/main" id="{59CDB30B-1F86-4325-B6BB-C5F3336BA54D}"/>
+                <a16:creationId xmlns:a16="http://schemas.microsoft.com/office/drawing/2014/main" id="{2FDAC7D0-34ED-455C-B4A3-8BC43E16EEB8}"/>
               </a:ext>
             </a:extLst>
           </p:cNvPr>
@@ -168,7 +167,7 @@
           <p:cNvPr id="3" name="Subtitle 2">
             <a:extLst>
               <a:ext uri="{FF2B5EF4-FFF2-40B4-BE49-F238E27FC236}">
-                <a16:creationId xmlns:a16="http://schemas.microsoft.com/office/drawing/2014/main" id="{FD3577F2-9F82-476A-A2A1-12E2997D40CE}"/>
+                <a16:creationId xmlns:a16="http://schemas.microsoft.com/office/drawing/2014/main" id="{A2032E1E-B4CB-4AFE-B6DE-FFDBB959FCFD}"/>
               </a:ext>
             </a:extLst>
           </p:cNvPr>
@@ -239,7 +238,7 @@
           <p:cNvPr id="4" name="Date Placeholder 3">
             <a:extLst>
               <a:ext uri="{FF2B5EF4-FFF2-40B4-BE49-F238E27FC236}">
-                <a16:creationId xmlns:a16="http://schemas.microsoft.com/office/drawing/2014/main" id="{4824DCE2-5888-407D-87B4-52371A52C2B8}"/>
+                <a16:creationId xmlns:a16="http://schemas.microsoft.com/office/drawing/2014/main" id="{500266CA-D0DA-471D-B9CA-48F2D837E7C8}"/>
               </a:ext>
             </a:extLst>
           </p:cNvPr>
@@ -255,7 +254,7 @@
           <a:bodyPr/>
           <a:lstStyle/>
           <a:p>
-            <a:fld id="{55202623-863B-4C24-ACA7-10C214B1DDA6}" type="datetimeFigureOut">
+            <a:fld id="{79EFF1A2-934D-422C-8E30-070D38AF0727}" type="datetimeFigureOut">
               <a:rPr lang="en-GB" smtClean="0"/>
               <a:t>03/08/2020</a:t>
             </a:fld>
@@ -268,7 +267,7 @@
           <p:cNvPr id="5" name="Footer Placeholder 4">
             <a:extLst>
               <a:ext uri="{FF2B5EF4-FFF2-40B4-BE49-F238E27FC236}">
-                <a16:creationId xmlns:a16="http://schemas.microsoft.com/office/drawing/2014/main" id="{67A08572-2A52-428B-9D8F-24F4B5D4DAFF}"/>
+                <a16:creationId xmlns:a16="http://schemas.microsoft.com/office/drawing/2014/main" id="{6EC4AFF1-DC0E-4A9C-A0A5-ACA9C4C95C2C}"/>
               </a:ext>
             </a:extLst>
           </p:cNvPr>
@@ -293,7 +292,7 @@
           <p:cNvPr id="6" name="Slide Number Placeholder 5">
             <a:extLst>
               <a:ext uri="{FF2B5EF4-FFF2-40B4-BE49-F238E27FC236}">
-                <a16:creationId xmlns:a16="http://schemas.microsoft.com/office/drawing/2014/main" id="{91B85F3B-CC71-4BAC-8489-F1DF3BE9925F}"/>
+                <a16:creationId xmlns:a16="http://schemas.microsoft.com/office/drawing/2014/main" id="{CBC50484-9E74-4DB4-B340-91A55F15D836}"/>
               </a:ext>
             </a:extLst>
           </p:cNvPr>
@@ -309,7 +308,7 @@
           <a:bodyPr/>
           <a:lstStyle/>
           <a:p>
-            <a:fld id="{39761946-461D-4E88-9ACF-2E438446085B}" type="slidenum">
+            <a:fld id="{39295C82-018D-486F-AFA9-368D80FF8F84}" type="slidenum">
               <a:rPr lang="en-GB" smtClean="0"/>
               <a:t>‹#›</a:t>
             </a:fld>
@@ -320,7 +319,7 @@
     </p:spTree>
     <p:extLst>
       <p:ext uri="{BB962C8B-B14F-4D97-AF65-F5344CB8AC3E}">
-        <p14:creationId xmlns:p14="http://schemas.microsoft.com/office/powerpoint/2010/main" val="2003632743"/>
+        <p14:creationId xmlns:p14="http://schemas.microsoft.com/office/powerpoint/2010/main" val="4101695168"/>
       </p:ext>
     </p:extLst>
   </p:cSld>
@@ -352,7 +351,7 @@
           <p:cNvPr id="2" name="Title 1">
             <a:extLst>
               <a:ext uri="{FF2B5EF4-FFF2-40B4-BE49-F238E27FC236}">
-                <a16:creationId xmlns:a16="http://schemas.microsoft.com/office/drawing/2014/main" id="{8A97296B-2C3E-4EE6-B93B-DB6A44BC3124}"/>
+                <a16:creationId xmlns:a16="http://schemas.microsoft.com/office/drawing/2014/main" id="{21A85876-8CCD-40C3-8C98-9A3028B06CF4}"/>
               </a:ext>
             </a:extLst>
           </p:cNvPr>
@@ -381,7 +380,7 @@
           <p:cNvPr id="3" name="Vertical Text Placeholder 2">
             <a:extLst>
               <a:ext uri="{FF2B5EF4-FFF2-40B4-BE49-F238E27FC236}">
-                <a16:creationId xmlns:a16="http://schemas.microsoft.com/office/drawing/2014/main" id="{38CB9029-DDA1-4E7C-8F2A-4F280CF17B2E}"/>
+                <a16:creationId xmlns:a16="http://schemas.microsoft.com/office/drawing/2014/main" id="{1AB0C380-B186-4267-86E0-653DB94E2AE4}"/>
               </a:ext>
             </a:extLst>
           </p:cNvPr>
@@ -439,7 +438,7 @@
           <p:cNvPr id="4" name="Date Placeholder 3">
             <a:extLst>
               <a:ext uri="{FF2B5EF4-FFF2-40B4-BE49-F238E27FC236}">
-                <a16:creationId xmlns:a16="http://schemas.microsoft.com/office/drawing/2014/main" id="{1AE5C7EC-3706-44AB-954E-8AE5F406D019}"/>
+                <a16:creationId xmlns:a16="http://schemas.microsoft.com/office/drawing/2014/main" id="{568F91DC-84DD-40F8-85C4-58152D4D8A7F}"/>
               </a:ext>
             </a:extLst>
           </p:cNvPr>
@@ -455,7 +454,7 @@
           <a:bodyPr/>
           <a:lstStyle/>
           <a:p>
-            <a:fld id="{55202623-863B-4C24-ACA7-10C214B1DDA6}" type="datetimeFigureOut">
+            <a:fld id="{79EFF1A2-934D-422C-8E30-070D38AF0727}" type="datetimeFigureOut">
               <a:rPr lang="en-GB" smtClean="0"/>
               <a:t>03/08/2020</a:t>
             </a:fld>
@@ -468,7 +467,7 @@
           <p:cNvPr id="5" name="Footer Placeholder 4">
             <a:extLst>
               <a:ext uri="{FF2B5EF4-FFF2-40B4-BE49-F238E27FC236}">
-                <a16:creationId xmlns:a16="http://schemas.microsoft.com/office/drawing/2014/main" id="{06120167-9679-426F-A877-996E2EE780B8}"/>
+                <a16:creationId xmlns:a16="http://schemas.microsoft.com/office/drawing/2014/main" id="{113383C7-2E03-4BB9-AB4D-4DC1EC2EC22D}"/>
               </a:ext>
             </a:extLst>
           </p:cNvPr>
@@ -493,7 +492,7 @@
           <p:cNvPr id="6" name="Slide Number Placeholder 5">
             <a:extLst>
               <a:ext uri="{FF2B5EF4-FFF2-40B4-BE49-F238E27FC236}">
-                <a16:creationId xmlns:a16="http://schemas.microsoft.com/office/drawing/2014/main" id="{7AAC88A5-6F57-4014-B62F-DD3FC7EA19DC}"/>
+                <a16:creationId xmlns:a16="http://schemas.microsoft.com/office/drawing/2014/main" id="{89A05C2F-5BBB-4015-BA18-015749296A74}"/>
               </a:ext>
             </a:extLst>
           </p:cNvPr>
@@ -509,7 +508,7 @@
           <a:bodyPr/>
           <a:lstStyle/>
           <a:p>
-            <a:fld id="{39761946-461D-4E88-9ACF-2E438446085B}" type="slidenum">
+            <a:fld id="{39295C82-018D-486F-AFA9-368D80FF8F84}" type="slidenum">
               <a:rPr lang="en-GB" smtClean="0"/>
               <a:t>‹#›</a:t>
             </a:fld>
@@ -520,7 +519,7 @@
     </p:spTree>
     <p:extLst>
       <p:ext uri="{BB962C8B-B14F-4D97-AF65-F5344CB8AC3E}">
-        <p14:creationId xmlns:p14="http://schemas.microsoft.com/office/powerpoint/2010/main" val="1802000959"/>
+        <p14:creationId xmlns:p14="http://schemas.microsoft.com/office/powerpoint/2010/main" val="1589554955"/>
       </p:ext>
     </p:extLst>
   </p:cSld>
@@ -552,7 +551,7 @@
           <p:cNvPr id="2" name="Vertical Title 1">
             <a:extLst>
               <a:ext uri="{FF2B5EF4-FFF2-40B4-BE49-F238E27FC236}">
-                <a16:creationId xmlns:a16="http://schemas.microsoft.com/office/drawing/2014/main" id="{510E23D6-0759-486F-BAB9-77DDD4556814}"/>
+                <a16:creationId xmlns:a16="http://schemas.microsoft.com/office/drawing/2014/main" id="{A43846DB-B9BD-4BD8-95BB-A753366527EA}"/>
               </a:ext>
             </a:extLst>
           </p:cNvPr>
@@ -586,7 +585,7 @@
           <p:cNvPr id="3" name="Vertical Text Placeholder 2">
             <a:extLst>
               <a:ext uri="{FF2B5EF4-FFF2-40B4-BE49-F238E27FC236}">
-                <a16:creationId xmlns:a16="http://schemas.microsoft.com/office/drawing/2014/main" id="{4B67CD79-14A5-42D9-B082-8CA3EE43DAEF}"/>
+                <a16:creationId xmlns:a16="http://schemas.microsoft.com/office/drawing/2014/main" id="{0190CDE1-611E-4925-85CF-D58993FC1231}"/>
               </a:ext>
             </a:extLst>
           </p:cNvPr>
@@ -649,7 +648,7 @@
           <p:cNvPr id="4" name="Date Placeholder 3">
             <a:extLst>
               <a:ext uri="{FF2B5EF4-FFF2-40B4-BE49-F238E27FC236}">
-                <a16:creationId xmlns:a16="http://schemas.microsoft.com/office/drawing/2014/main" id="{EED88265-2F9A-4A7F-BF1F-0AC134FFFD86}"/>
+                <a16:creationId xmlns:a16="http://schemas.microsoft.com/office/drawing/2014/main" id="{681A9004-5D24-4069-99FE-11F89B913278}"/>
               </a:ext>
             </a:extLst>
           </p:cNvPr>
@@ -665,7 +664,7 @@
           <a:bodyPr/>
           <a:lstStyle/>
           <a:p>
-            <a:fld id="{55202623-863B-4C24-ACA7-10C214B1DDA6}" type="datetimeFigureOut">
+            <a:fld id="{79EFF1A2-934D-422C-8E30-070D38AF0727}" type="datetimeFigureOut">
               <a:rPr lang="en-GB" smtClean="0"/>
               <a:t>03/08/2020</a:t>
             </a:fld>
@@ -678,7 +677,7 @@
           <p:cNvPr id="5" name="Footer Placeholder 4">
             <a:extLst>
               <a:ext uri="{FF2B5EF4-FFF2-40B4-BE49-F238E27FC236}">
-                <a16:creationId xmlns:a16="http://schemas.microsoft.com/office/drawing/2014/main" id="{DC2192D7-2EDE-436A-8B2E-EFB2247F6027}"/>
+                <a16:creationId xmlns:a16="http://schemas.microsoft.com/office/drawing/2014/main" id="{BA6FFB7C-4523-4EA4-AF22-FBDF8A80D2C2}"/>
               </a:ext>
             </a:extLst>
           </p:cNvPr>
@@ -703,7 +702,7 @@
           <p:cNvPr id="6" name="Slide Number Placeholder 5">
             <a:extLst>
               <a:ext uri="{FF2B5EF4-FFF2-40B4-BE49-F238E27FC236}">
-                <a16:creationId xmlns:a16="http://schemas.microsoft.com/office/drawing/2014/main" id="{3C308717-3CA4-4B36-BFE4-B1C895A55D6F}"/>
+                <a16:creationId xmlns:a16="http://schemas.microsoft.com/office/drawing/2014/main" id="{336B9AFF-CE03-41A4-89DC-2C974D12B1CE}"/>
               </a:ext>
             </a:extLst>
           </p:cNvPr>
@@ -719,7 +718,7 @@
           <a:bodyPr/>
           <a:lstStyle/>
           <a:p>
-            <a:fld id="{39761946-461D-4E88-9ACF-2E438446085B}" type="slidenum">
+            <a:fld id="{39295C82-018D-486F-AFA9-368D80FF8F84}" type="slidenum">
               <a:rPr lang="en-GB" smtClean="0"/>
               <a:t>‹#›</a:t>
             </a:fld>
@@ -730,7 +729,7 @@
     </p:spTree>
     <p:extLst>
       <p:ext uri="{BB962C8B-B14F-4D97-AF65-F5344CB8AC3E}">
-        <p14:creationId xmlns:p14="http://schemas.microsoft.com/office/powerpoint/2010/main" val="481980367"/>
+        <p14:creationId xmlns:p14="http://schemas.microsoft.com/office/powerpoint/2010/main" val="1831504720"/>
       </p:ext>
     </p:extLst>
   </p:cSld>
@@ -762,7 +761,7 @@
           <p:cNvPr id="2" name="Title 1">
             <a:extLst>
               <a:ext uri="{FF2B5EF4-FFF2-40B4-BE49-F238E27FC236}">
-                <a16:creationId xmlns:a16="http://schemas.microsoft.com/office/drawing/2014/main" id="{62E479EC-742E-41A4-BDF7-16F5B296ECDD}"/>
+                <a16:creationId xmlns:a16="http://schemas.microsoft.com/office/drawing/2014/main" id="{B44A0DBE-C723-4BE6-A65C-AAFB54838B45}"/>
               </a:ext>
             </a:extLst>
           </p:cNvPr>
@@ -791,7 +790,7 @@
           <p:cNvPr id="3" name="Content Placeholder 2">
             <a:extLst>
               <a:ext uri="{FF2B5EF4-FFF2-40B4-BE49-F238E27FC236}">
-                <a16:creationId xmlns:a16="http://schemas.microsoft.com/office/drawing/2014/main" id="{9EDAE3D3-A531-41D6-A865-13320CA6443B}"/>
+                <a16:creationId xmlns:a16="http://schemas.microsoft.com/office/drawing/2014/main" id="{96D508D7-F85F-4ED8-B691-74DF8F61E1C2}"/>
               </a:ext>
             </a:extLst>
           </p:cNvPr>
@@ -849,7 +848,7 @@
           <p:cNvPr id="4" name="Date Placeholder 3">
             <a:extLst>
               <a:ext uri="{FF2B5EF4-FFF2-40B4-BE49-F238E27FC236}">
-                <a16:creationId xmlns:a16="http://schemas.microsoft.com/office/drawing/2014/main" id="{A69F304B-4E2D-4211-A55D-45EF051A3661}"/>
+                <a16:creationId xmlns:a16="http://schemas.microsoft.com/office/drawing/2014/main" id="{C85192B4-80ED-42DB-9DA3-3306A53B8099}"/>
               </a:ext>
             </a:extLst>
           </p:cNvPr>
@@ -865,7 +864,7 @@
           <a:bodyPr/>
           <a:lstStyle/>
           <a:p>
-            <a:fld id="{55202623-863B-4C24-ACA7-10C214B1DDA6}" type="datetimeFigureOut">
+            <a:fld id="{79EFF1A2-934D-422C-8E30-070D38AF0727}" type="datetimeFigureOut">
               <a:rPr lang="en-GB" smtClean="0"/>
               <a:t>03/08/2020</a:t>
             </a:fld>
@@ -878,7 +877,7 @@
           <p:cNvPr id="5" name="Footer Placeholder 4">
             <a:extLst>
               <a:ext uri="{FF2B5EF4-FFF2-40B4-BE49-F238E27FC236}">
-                <a16:creationId xmlns:a16="http://schemas.microsoft.com/office/drawing/2014/main" id="{A76660B8-3EB4-40B8-BE2A-5160F07BCB11}"/>
+                <a16:creationId xmlns:a16="http://schemas.microsoft.com/office/drawing/2014/main" id="{99CBD131-36B8-41EF-8622-30C154EA3378}"/>
               </a:ext>
             </a:extLst>
           </p:cNvPr>
@@ -903,7 +902,7 @@
           <p:cNvPr id="6" name="Slide Number Placeholder 5">
             <a:extLst>
               <a:ext uri="{FF2B5EF4-FFF2-40B4-BE49-F238E27FC236}">
-                <a16:creationId xmlns:a16="http://schemas.microsoft.com/office/drawing/2014/main" id="{9B38D097-76B0-4292-84FC-D293541D566B}"/>
+                <a16:creationId xmlns:a16="http://schemas.microsoft.com/office/drawing/2014/main" id="{5D71E942-25AA-415A-9895-FAE63461D073}"/>
               </a:ext>
             </a:extLst>
           </p:cNvPr>
@@ -919,7 +918,7 @@
           <a:bodyPr/>
           <a:lstStyle/>
           <a:p>
-            <a:fld id="{39761946-461D-4E88-9ACF-2E438446085B}" type="slidenum">
+            <a:fld id="{39295C82-018D-486F-AFA9-368D80FF8F84}" type="slidenum">
               <a:rPr lang="en-GB" smtClean="0"/>
               <a:t>‹#›</a:t>
             </a:fld>
@@ -930,7 +929,7 @@
     </p:spTree>
     <p:extLst>
       <p:ext uri="{BB962C8B-B14F-4D97-AF65-F5344CB8AC3E}">
-        <p14:creationId xmlns:p14="http://schemas.microsoft.com/office/powerpoint/2010/main" val="2717617408"/>
+        <p14:creationId xmlns:p14="http://schemas.microsoft.com/office/powerpoint/2010/main" val="538525996"/>
       </p:ext>
     </p:extLst>
   </p:cSld>
@@ -962,7 +961,7 @@
           <p:cNvPr id="2" name="Title 1">
             <a:extLst>
               <a:ext uri="{FF2B5EF4-FFF2-40B4-BE49-F238E27FC236}">
-                <a16:creationId xmlns:a16="http://schemas.microsoft.com/office/drawing/2014/main" id="{0B203F18-D8C5-4592-B291-2747DEED6241}"/>
+                <a16:creationId xmlns:a16="http://schemas.microsoft.com/office/drawing/2014/main" id="{B2CD3BE7-0806-470C-B441-18F992DE9061}"/>
               </a:ext>
             </a:extLst>
           </p:cNvPr>
@@ -1000,7 +999,7 @@
           <p:cNvPr id="3" name="Text Placeholder 2">
             <a:extLst>
               <a:ext uri="{FF2B5EF4-FFF2-40B4-BE49-F238E27FC236}">
-                <a16:creationId xmlns:a16="http://schemas.microsoft.com/office/drawing/2014/main" id="{D5819EBC-9921-48E7-B262-F2DE4C15DB26}"/>
+                <a16:creationId xmlns:a16="http://schemas.microsoft.com/office/drawing/2014/main" id="{1295949A-AC38-4025-8D9E-801E6C62E055}"/>
               </a:ext>
             </a:extLst>
           </p:cNvPr>
@@ -1125,7 +1124,7 @@
           <p:cNvPr id="4" name="Date Placeholder 3">
             <a:extLst>
               <a:ext uri="{FF2B5EF4-FFF2-40B4-BE49-F238E27FC236}">
-                <a16:creationId xmlns:a16="http://schemas.microsoft.com/office/drawing/2014/main" id="{248DF7C2-A5B5-4C82-8CC5-D50C3D86D8BF}"/>
+                <a16:creationId xmlns:a16="http://schemas.microsoft.com/office/drawing/2014/main" id="{D83EC9B6-6E3C-4209-B58C-CBFCDDA51199}"/>
               </a:ext>
             </a:extLst>
           </p:cNvPr>
@@ -1141,7 +1140,7 @@
           <a:bodyPr/>
           <a:lstStyle/>
           <a:p>
-            <a:fld id="{55202623-863B-4C24-ACA7-10C214B1DDA6}" type="datetimeFigureOut">
+            <a:fld id="{79EFF1A2-934D-422C-8E30-070D38AF0727}" type="datetimeFigureOut">
               <a:rPr lang="en-GB" smtClean="0"/>
               <a:t>03/08/2020</a:t>
             </a:fld>
@@ -1154,7 +1153,7 @@
           <p:cNvPr id="5" name="Footer Placeholder 4">
             <a:extLst>
               <a:ext uri="{FF2B5EF4-FFF2-40B4-BE49-F238E27FC236}">
-                <a16:creationId xmlns:a16="http://schemas.microsoft.com/office/drawing/2014/main" id="{5224202A-658E-4406-9B61-DA2E11E8DFD4}"/>
+                <a16:creationId xmlns:a16="http://schemas.microsoft.com/office/drawing/2014/main" id="{5AEDBF11-9AC9-4E10-9863-757210B8AFD6}"/>
               </a:ext>
             </a:extLst>
           </p:cNvPr>
@@ -1179,7 +1178,7 @@
           <p:cNvPr id="6" name="Slide Number Placeholder 5">
             <a:extLst>
               <a:ext uri="{FF2B5EF4-FFF2-40B4-BE49-F238E27FC236}">
-                <a16:creationId xmlns:a16="http://schemas.microsoft.com/office/drawing/2014/main" id="{A0BD0F81-EA3C-4B37-9308-B544AAE96629}"/>
+                <a16:creationId xmlns:a16="http://schemas.microsoft.com/office/drawing/2014/main" id="{CE5100C2-55AF-4FA3-B703-80A919E4EF9B}"/>
               </a:ext>
             </a:extLst>
           </p:cNvPr>
@@ -1195,7 +1194,7 @@
           <a:bodyPr/>
           <a:lstStyle/>
           <a:p>
-            <a:fld id="{39761946-461D-4E88-9ACF-2E438446085B}" type="slidenum">
+            <a:fld id="{39295C82-018D-486F-AFA9-368D80FF8F84}" type="slidenum">
               <a:rPr lang="en-GB" smtClean="0"/>
               <a:t>‹#›</a:t>
             </a:fld>
@@ -1206,7 +1205,7 @@
     </p:spTree>
     <p:extLst>
       <p:ext uri="{BB962C8B-B14F-4D97-AF65-F5344CB8AC3E}">
-        <p14:creationId xmlns:p14="http://schemas.microsoft.com/office/powerpoint/2010/main" val="891456912"/>
+        <p14:creationId xmlns:p14="http://schemas.microsoft.com/office/powerpoint/2010/main" val="1867976322"/>
       </p:ext>
     </p:extLst>
   </p:cSld>
@@ -1238,7 +1237,7 @@
           <p:cNvPr id="2" name="Title 1">
             <a:extLst>
               <a:ext uri="{FF2B5EF4-FFF2-40B4-BE49-F238E27FC236}">
-                <a16:creationId xmlns:a16="http://schemas.microsoft.com/office/drawing/2014/main" id="{4B83AE37-9F02-437C-A26A-4A2D6D75FF2A}"/>
+                <a16:creationId xmlns:a16="http://schemas.microsoft.com/office/drawing/2014/main" id="{0BC2A63D-FC9E-49FD-84B4-8CA796926940}"/>
               </a:ext>
             </a:extLst>
           </p:cNvPr>
@@ -1267,7 +1266,7 @@
           <p:cNvPr id="3" name="Content Placeholder 2">
             <a:extLst>
               <a:ext uri="{FF2B5EF4-FFF2-40B4-BE49-F238E27FC236}">
-                <a16:creationId xmlns:a16="http://schemas.microsoft.com/office/drawing/2014/main" id="{40728D94-97E8-44B7-8A24-652B667648B4}"/>
+                <a16:creationId xmlns:a16="http://schemas.microsoft.com/office/drawing/2014/main" id="{AC05CB41-C46E-41DF-84A2-382C0CECAEAD}"/>
               </a:ext>
             </a:extLst>
           </p:cNvPr>
@@ -1330,7 +1329,7 @@
           <p:cNvPr id="4" name="Content Placeholder 3">
             <a:extLst>
               <a:ext uri="{FF2B5EF4-FFF2-40B4-BE49-F238E27FC236}">
-                <a16:creationId xmlns:a16="http://schemas.microsoft.com/office/drawing/2014/main" id="{3880AD2E-BEB1-4AEF-BE9A-9880C564D01F}"/>
+                <a16:creationId xmlns:a16="http://schemas.microsoft.com/office/drawing/2014/main" id="{F885E1B1-AB53-4251-8BC5-FC828FF6AFC2}"/>
               </a:ext>
             </a:extLst>
           </p:cNvPr>
@@ -1393,7 +1392,7 @@
           <p:cNvPr id="5" name="Date Placeholder 4">
             <a:extLst>
               <a:ext uri="{FF2B5EF4-FFF2-40B4-BE49-F238E27FC236}">
-                <a16:creationId xmlns:a16="http://schemas.microsoft.com/office/drawing/2014/main" id="{08E37D18-349F-4D97-8099-86BB06A95D26}"/>
+                <a16:creationId xmlns:a16="http://schemas.microsoft.com/office/drawing/2014/main" id="{8D9DEAB8-0F7F-4692-81BC-3424784A0C59}"/>
               </a:ext>
             </a:extLst>
           </p:cNvPr>
@@ -1409,7 +1408,7 @@
           <a:bodyPr/>
           <a:lstStyle/>
           <a:p>
-            <a:fld id="{55202623-863B-4C24-ACA7-10C214B1DDA6}" type="datetimeFigureOut">
+            <a:fld id="{79EFF1A2-934D-422C-8E30-070D38AF0727}" type="datetimeFigureOut">
               <a:rPr lang="en-GB" smtClean="0"/>
               <a:t>03/08/2020</a:t>
             </a:fld>
@@ -1422,7 +1421,7 @@
           <p:cNvPr id="6" name="Footer Placeholder 5">
             <a:extLst>
               <a:ext uri="{FF2B5EF4-FFF2-40B4-BE49-F238E27FC236}">
-                <a16:creationId xmlns:a16="http://schemas.microsoft.com/office/drawing/2014/main" id="{EAEAC551-2FBC-4688-B23B-C7D73C0723E5}"/>
+                <a16:creationId xmlns:a16="http://schemas.microsoft.com/office/drawing/2014/main" id="{CA6E36F9-E4BD-481C-BB20-497F9C6C259F}"/>
               </a:ext>
             </a:extLst>
           </p:cNvPr>
@@ -1447,7 +1446,7 @@
           <p:cNvPr id="7" name="Slide Number Placeholder 6">
             <a:extLst>
               <a:ext uri="{FF2B5EF4-FFF2-40B4-BE49-F238E27FC236}">
-                <a16:creationId xmlns:a16="http://schemas.microsoft.com/office/drawing/2014/main" id="{93A4ADDB-9D77-4457-B865-C17FAEAD30E8}"/>
+                <a16:creationId xmlns:a16="http://schemas.microsoft.com/office/drawing/2014/main" id="{DF69CA30-F856-46B0-BB2E-85D298DF9AE3}"/>
               </a:ext>
             </a:extLst>
           </p:cNvPr>
@@ -1463,7 +1462,7 @@
           <a:bodyPr/>
           <a:lstStyle/>
           <a:p>
-            <a:fld id="{39761946-461D-4E88-9ACF-2E438446085B}" type="slidenum">
+            <a:fld id="{39295C82-018D-486F-AFA9-368D80FF8F84}" type="slidenum">
               <a:rPr lang="en-GB" smtClean="0"/>
               <a:t>‹#›</a:t>
             </a:fld>
@@ -1474,7 +1473,7 @@
     </p:spTree>
     <p:extLst>
       <p:ext uri="{BB962C8B-B14F-4D97-AF65-F5344CB8AC3E}">
-        <p14:creationId xmlns:p14="http://schemas.microsoft.com/office/powerpoint/2010/main" val="2275187801"/>
+        <p14:creationId xmlns:p14="http://schemas.microsoft.com/office/powerpoint/2010/main" val="2061164764"/>
       </p:ext>
     </p:extLst>
   </p:cSld>
@@ -1506,7 +1505,7 @@
           <p:cNvPr id="2" name="Title 1">
             <a:extLst>
               <a:ext uri="{FF2B5EF4-FFF2-40B4-BE49-F238E27FC236}">
-                <a16:creationId xmlns:a16="http://schemas.microsoft.com/office/drawing/2014/main" id="{360E6E1D-237C-40D2-823B-44D0D9EBF318}"/>
+                <a16:creationId xmlns:a16="http://schemas.microsoft.com/office/drawing/2014/main" id="{9555D291-BD3D-4FB0-92D4-6906435AB839}"/>
               </a:ext>
             </a:extLst>
           </p:cNvPr>
@@ -1540,7 +1539,7 @@
           <p:cNvPr id="3" name="Text Placeholder 2">
             <a:extLst>
               <a:ext uri="{FF2B5EF4-FFF2-40B4-BE49-F238E27FC236}">
-                <a16:creationId xmlns:a16="http://schemas.microsoft.com/office/drawing/2014/main" id="{41A71AD6-28C0-416E-B098-9C1B44EB0009}"/>
+                <a16:creationId xmlns:a16="http://schemas.microsoft.com/office/drawing/2014/main" id="{78410B61-CBD7-491C-AD5D-C63AB90EBF18}"/>
               </a:ext>
             </a:extLst>
           </p:cNvPr>
@@ -1611,7 +1610,7 @@
           <p:cNvPr id="4" name="Content Placeholder 3">
             <a:extLst>
               <a:ext uri="{FF2B5EF4-FFF2-40B4-BE49-F238E27FC236}">
-                <a16:creationId xmlns:a16="http://schemas.microsoft.com/office/drawing/2014/main" id="{316B8604-13E5-4787-8B55-08D1FDE6594E}"/>
+                <a16:creationId xmlns:a16="http://schemas.microsoft.com/office/drawing/2014/main" id="{910AD6AD-9795-4EFD-8471-323AB5F1DE0B}"/>
               </a:ext>
             </a:extLst>
           </p:cNvPr>
@@ -1674,7 +1673,7 @@
           <p:cNvPr id="5" name="Text Placeholder 4">
             <a:extLst>
               <a:ext uri="{FF2B5EF4-FFF2-40B4-BE49-F238E27FC236}">
-                <a16:creationId xmlns:a16="http://schemas.microsoft.com/office/drawing/2014/main" id="{9C1E7816-3955-4CF5-910B-5E378A23820B}"/>
+                <a16:creationId xmlns:a16="http://schemas.microsoft.com/office/drawing/2014/main" id="{46496AE4-6D90-4920-8F10-12C54692853A}"/>
               </a:ext>
             </a:extLst>
           </p:cNvPr>
@@ -1745,7 +1744,7 @@
           <p:cNvPr id="6" name="Content Placeholder 5">
             <a:extLst>
               <a:ext uri="{FF2B5EF4-FFF2-40B4-BE49-F238E27FC236}">
-                <a16:creationId xmlns:a16="http://schemas.microsoft.com/office/drawing/2014/main" id="{61E9400B-DBD6-4C25-9E24-42E9236C7876}"/>
+                <a16:creationId xmlns:a16="http://schemas.microsoft.com/office/drawing/2014/main" id="{3C073923-C826-434C-B8F7-14505F5A816D}"/>
               </a:ext>
             </a:extLst>
           </p:cNvPr>
@@ -1808,7 +1807,7 @@
           <p:cNvPr id="7" name="Date Placeholder 6">
             <a:extLst>
               <a:ext uri="{FF2B5EF4-FFF2-40B4-BE49-F238E27FC236}">
-                <a16:creationId xmlns:a16="http://schemas.microsoft.com/office/drawing/2014/main" id="{61AD5B21-B5D4-4668-AFEF-7FE48F06991D}"/>
+                <a16:creationId xmlns:a16="http://schemas.microsoft.com/office/drawing/2014/main" id="{EB844CEE-0914-4C3C-9F4D-7F5DBD2EB6A0}"/>
               </a:ext>
             </a:extLst>
           </p:cNvPr>
@@ -1824,7 +1823,7 @@
           <a:bodyPr/>
           <a:lstStyle/>
           <a:p>
-            <a:fld id="{55202623-863B-4C24-ACA7-10C214B1DDA6}" type="datetimeFigureOut">
+            <a:fld id="{79EFF1A2-934D-422C-8E30-070D38AF0727}" type="datetimeFigureOut">
               <a:rPr lang="en-GB" smtClean="0"/>
               <a:t>03/08/2020</a:t>
             </a:fld>
@@ -1837,7 +1836,7 @@
           <p:cNvPr id="8" name="Footer Placeholder 7">
             <a:extLst>
               <a:ext uri="{FF2B5EF4-FFF2-40B4-BE49-F238E27FC236}">
-                <a16:creationId xmlns:a16="http://schemas.microsoft.com/office/drawing/2014/main" id="{ABC47B7D-B80A-4176-A4EE-D370D465C872}"/>
+                <a16:creationId xmlns:a16="http://schemas.microsoft.com/office/drawing/2014/main" id="{516A5F28-3323-4BF6-BD29-3F71E36E3319}"/>
               </a:ext>
             </a:extLst>
           </p:cNvPr>
@@ -1862,7 +1861,7 @@
           <p:cNvPr id="9" name="Slide Number Placeholder 8">
             <a:extLst>
               <a:ext uri="{FF2B5EF4-FFF2-40B4-BE49-F238E27FC236}">
-                <a16:creationId xmlns:a16="http://schemas.microsoft.com/office/drawing/2014/main" id="{8A70EEF1-70E6-42E9-B518-A21A428F5F66}"/>
+                <a16:creationId xmlns:a16="http://schemas.microsoft.com/office/drawing/2014/main" id="{EE37111A-7DD1-49D2-9D53-A03B54773166}"/>
               </a:ext>
             </a:extLst>
           </p:cNvPr>
@@ -1878,7 +1877,7 @@
           <a:bodyPr/>
           <a:lstStyle/>
           <a:p>
-            <a:fld id="{39761946-461D-4E88-9ACF-2E438446085B}" type="slidenum">
+            <a:fld id="{39295C82-018D-486F-AFA9-368D80FF8F84}" type="slidenum">
               <a:rPr lang="en-GB" smtClean="0"/>
               <a:t>‹#›</a:t>
             </a:fld>
@@ -1889,7 +1888,7 @@
     </p:spTree>
     <p:extLst>
       <p:ext uri="{BB962C8B-B14F-4D97-AF65-F5344CB8AC3E}">
-        <p14:creationId xmlns:p14="http://schemas.microsoft.com/office/powerpoint/2010/main" val="3513857515"/>
+        <p14:creationId xmlns:p14="http://schemas.microsoft.com/office/powerpoint/2010/main" val="4108494279"/>
       </p:ext>
     </p:extLst>
   </p:cSld>
@@ -1921,7 +1920,7 @@
           <p:cNvPr id="2" name="Title 1">
             <a:extLst>
               <a:ext uri="{FF2B5EF4-FFF2-40B4-BE49-F238E27FC236}">
-                <a16:creationId xmlns:a16="http://schemas.microsoft.com/office/drawing/2014/main" id="{864B6C30-27F5-4BD3-84B7-8E059DB22AFD}"/>
+                <a16:creationId xmlns:a16="http://schemas.microsoft.com/office/drawing/2014/main" id="{215B319B-0045-46C4-921E-77EA0E173CFE}"/>
               </a:ext>
             </a:extLst>
           </p:cNvPr>
@@ -1950,7 +1949,7 @@
           <p:cNvPr id="3" name="Date Placeholder 2">
             <a:extLst>
               <a:ext uri="{FF2B5EF4-FFF2-40B4-BE49-F238E27FC236}">
-                <a16:creationId xmlns:a16="http://schemas.microsoft.com/office/drawing/2014/main" id="{08B9B558-F355-4E38-9E58-8DC104ADB3CD}"/>
+                <a16:creationId xmlns:a16="http://schemas.microsoft.com/office/drawing/2014/main" id="{F9F8083D-C1E8-4A48-ABAC-D2DE32324CD7}"/>
               </a:ext>
             </a:extLst>
           </p:cNvPr>
@@ -1966,7 +1965,7 @@
           <a:bodyPr/>
           <a:lstStyle/>
           <a:p>
-            <a:fld id="{55202623-863B-4C24-ACA7-10C214B1DDA6}" type="datetimeFigureOut">
+            <a:fld id="{79EFF1A2-934D-422C-8E30-070D38AF0727}" type="datetimeFigureOut">
               <a:rPr lang="en-GB" smtClean="0"/>
               <a:t>03/08/2020</a:t>
             </a:fld>
@@ -1979,7 +1978,7 @@
           <p:cNvPr id="4" name="Footer Placeholder 3">
             <a:extLst>
               <a:ext uri="{FF2B5EF4-FFF2-40B4-BE49-F238E27FC236}">
-                <a16:creationId xmlns:a16="http://schemas.microsoft.com/office/drawing/2014/main" id="{2C697412-A9AC-4716-A293-3D33A7A8B17D}"/>
+                <a16:creationId xmlns:a16="http://schemas.microsoft.com/office/drawing/2014/main" id="{B76E4770-6A9D-4C55-9B1B-ED64E9A200C4}"/>
               </a:ext>
             </a:extLst>
           </p:cNvPr>
@@ -2004,7 +2003,7 @@
           <p:cNvPr id="5" name="Slide Number Placeholder 4">
             <a:extLst>
               <a:ext uri="{FF2B5EF4-FFF2-40B4-BE49-F238E27FC236}">
-                <a16:creationId xmlns:a16="http://schemas.microsoft.com/office/drawing/2014/main" id="{137ADF2B-A308-4CF8-AA02-76876EF91BF5}"/>
+                <a16:creationId xmlns:a16="http://schemas.microsoft.com/office/drawing/2014/main" id="{8A7A42B5-8317-4ADD-B8F5-A2D03B6C50E9}"/>
               </a:ext>
             </a:extLst>
           </p:cNvPr>
@@ -2020,7 +2019,7 @@
           <a:bodyPr/>
           <a:lstStyle/>
           <a:p>
-            <a:fld id="{39761946-461D-4E88-9ACF-2E438446085B}" type="slidenum">
+            <a:fld id="{39295C82-018D-486F-AFA9-368D80FF8F84}" type="slidenum">
               <a:rPr lang="en-GB" smtClean="0"/>
               <a:t>‹#›</a:t>
             </a:fld>
@@ -2031,7 +2030,7 @@
     </p:spTree>
     <p:extLst>
       <p:ext uri="{BB962C8B-B14F-4D97-AF65-F5344CB8AC3E}">
-        <p14:creationId xmlns:p14="http://schemas.microsoft.com/office/powerpoint/2010/main" val="2622643503"/>
+        <p14:creationId xmlns:p14="http://schemas.microsoft.com/office/powerpoint/2010/main" val="2246224753"/>
       </p:ext>
     </p:extLst>
   </p:cSld>
@@ -2063,7 +2062,7 @@
           <p:cNvPr id="2" name="Date Placeholder 1">
             <a:extLst>
               <a:ext uri="{FF2B5EF4-FFF2-40B4-BE49-F238E27FC236}">
-                <a16:creationId xmlns:a16="http://schemas.microsoft.com/office/drawing/2014/main" id="{EFDFB653-21FB-41D7-A711-93CA22790B46}"/>
+                <a16:creationId xmlns:a16="http://schemas.microsoft.com/office/drawing/2014/main" id="{119247E2-78AC-4721-9508-932671AABEFD}"/>
               </a:ext>
             </a:extLst>
           </p:cNvPr>
@@ -2079,7 +2078,7 @@
           <a:bodyPr/>
           <a:lstStyle/>
           <a:p>
-            <a:fld id="{55202623-863B-4C24-ACA7-10C214B1DDA6}" type="datetimeFigureOut">
+            <a:fld id="{79EFF1A2-934D-422C-8E30-070D38AF0727}" type="datetimeFigureOut">
               <a:rPr lang="en-GB" smtClean="0"/>
               <a:t>03/08/2020</a:t>
             </a:fld>
@@ -2092,7 +2091,7 @@
           <p:cNvPr id="3" name="Footer Placeholder 2">
             <a:extLst>
               <a:ext uri="{FF2B5EF4-FFF2-40B4-BE49-F238E27FC236}">
-                <a16:creationId xmlns:a16="http://schemas.microsoft.com/office/drawing/2014/main" id="{26015451-4906-44F5-9427-74F0FC4DA441}"/>
+                <a16:creationId xmlns:a16="http://schemas.microsoft.com/office/drawing/2014/main" id="{7D8A6E20-4B51-424B-8744-ACE3CD06CC7E}"/>
               </a:ext>
             </a:extLst>
           </p:cNvPr>
@@ -2117,7 +2116,7 @@
           <p:cNvPr id="4" name="Slide Number Placeholder 3">
             <a:extLst>
               <a:ext uri="{FF2B5EF4-FFF2-40B4-BE49-F238E27FC236}">
-                <a16:creationId xmlns:a16="http://schemas.microsoft.com/office/drawing/2014/main" id="{8FA4063A-2919-4B32-A448-7D116568F561}"/>
+                <a16:creationId xmlns:a16="http://schemas.microsoft.com/office/drawing/2014/main" id="{A8A9E2DE-CC65-40E3-977C-604EFD11A846}"/>
               </a:ext>
             </a:extLst>
           </p:cNvPr>
@@ -2133,7 +2132,7 @@
           <a:bodyPr/>
           <a:lstStyle/>
           <a:p>
-            <a:fld id="{39761946-461D-4E88-9ACF-2E438446085B}" type="slidenum">
+            <a:fld id="{39295C82-018D-486F-AFA9-368D80FF8F84}" type="slidenum">
               <a:rPr lang="en-GB" smtClean="0"/>
               <a:t>‹#›</a:t>
             </a:fld>
@@ -2144,7 +2143,7 @@
     </p:spTree>
     <p:extLst>
       <p:ext uri="{BB962C8B-B14F-4D97-AF65-F5344CB8AC3E}">
-        <p14:creationId xmlns:p14="http://schemas.microsoft.com/office/powerpoint/2010/main" val="720932946"/>
+        <p14:creationId xmlns:p14="http://schemas.microsoft.com/office/powerpoint/2010/main" val="1845548951"/>
       </p:ext>
     </p:extLst>
   </p:cSld>
@@ -2176,7 +2175,7 @@
           <p:cNvPr id="2" name="Title 1">
             <a:extLst>
               <a:ext uri="{FF2B5EF4-FFF2-40B4-BE49-F238E27FC236}">
-                <a16:creationId xmlns:a16="http://schemas.microsoft.com/office/drawing/2014/main" id="{33A95C3E-A5B4-46C6-AFB8-D2606999AFC6}"/>
+                <a16:creationId xmlns:a16="http://schemas.microsoft.com/office/drawing/2014/main" id="{40E0FF8F-BC04-4D72-8A81-6BF5AD179D1C}"/>
               </a:ext>
             </a:extLst>
           </p:cNvPr>
@@ -2214,7 +2213,7 @@
           <p:cNvPr id="3" name="Content Placeholder 2">
             <a:extLst>
               <a:ext uri="{FF2B5EF4-FFF2-40B4-BE49-F238E27FC236}">
-                <a16:creationId xmlns:a16="http://schemas.microsoft.com/office/drawing/2014/main" id="{57817EA8-E541-477E-A811-3EBCD598A130}"/>
+                <a16:creationId xmlns:a16="http://schemas.microsoft.com/office/drawing/2014/main" id="{B50A72C9-F07D-4EA0-B28A-10D86003F7BA}"/>
               </a:ext>
             </a:extLst>
           </p:cNvPr>
@@ -2305,7 +2304,7 @@
           <p:cNvPr id="4" name="Text Placeholder 3">
             <a:extLst>
               <a:ext uri="{FF2B5EF4-FFF2-40B4-BE49-F238E27FC236}">
-                <a16:creationId xmlns:a16="http://schemas.microsoft.com/office/drawing/2014/main" id="{3946123C-BC60-4C02-ACB8-4B2CE571F311}"/>
+                <a16:creationId xmlns:a16="http://schemas.microsoft.com/office/drawing/2014/main" id="{A9B7B7DE-92F2-40EC-877B-CB4088BA869D}"/>
               </a:ext>
             </a:extLst>
           </p:cNvPr>
@@ -2376,7 +2375,7 @@
           <p:cNvPr id="5" name="Date Placeholder 4">
             <a:extLst>
               <a:ext uri="{FF2B5EF4-FFF2-40B4-BE49-F238E27FC236}">
-                <a16:creationId xmlns:a16="http://schemas.microsoft.com/office/drawing/2014/main" id="{B17F69E7-39AE-495B-924F-501C97BE8839}"/>
+                <a16:creationId xmlns:a16="http://schemas.microsoft.com/office/drawing/2014/main" id="{9ECE51E7-728E-4FA0-BA5B-3AE6964A72F5}"/>
               </a:ext>
             </a:extLst>
           </p:cNvPr>
@@ -2392,7 +2391,7 @@
           <a:bodyPr/>
           <a:lstStyle/>
           <a:p>
-            <a:fld id="{55202623-863B-4C24-ACA7-10C214B1DDA6}" type="datetimeFigureOut">
+            <a:fld id="{79EFF1A2-934D-422C-8E30-070D38AF0727}" type="datetimeFigureOut">
               <a:rPr lang="en-GB" smtClean="0"/>
               <a:t>03/08/2020</a:t>
             </a:fld>
@@ -2405,7 +2404,7 @@
           <p:cNvPr id="6" name="Footer Placeholder 5">
             <a:extLst>
               <a:ext uri="{FF2B5EF4-FFF2-40B4-BE49-F238E27FC236}">
-                <a16:creationId xmlns:a16="http://schemas.microsoft.com/office/drawing/2014/main" id="{B7295CFE-C33F-4DF0-9DF9-0558935F4EFA}"/>
+                <a16:creationId xmlns:a16="http://schemas.microsoft.com/office/drawing/2014/main" id="{1B41B276-93A6-4D9E-8A8F-0CDBA1ED6DE4}"/>
               </a:ext>
             </a:extLst>
           </p:cNvPr>
@@ -2430,7 +2429,7 @@
           <p:cNvPr id="7" name="Slide Number Placeholder 6">
             <a:extLst>
               <a:ext uri="{FF2B5EF4-FFF2-40B4-BE49-F238E27FC236}">
-                <a16:creationId xmlns:a16="http://schemas.microsoft.com/office/drawing/2014/main" id="{E8DDA2E5-C8F4-404C-9BD1-F718D471D11F}"/>
+                <a16:creationId xmlns:a16="http://schemas.microsoft.com/office/drawing/2014/main" id="{1167C27C-27AC-4087-9874-3F86D4E9D388}"/>
               </a:ext>
             </a:extLst>
           </p:cNvPr>
@@ -2446,7 +2445,7 @@
           <a:bodyPr/>
           <a:lstStyle/>
           <a:p>
-            <a:fld id="{39761946-461D-4E88-9ACF-2E438446085B}" type="slidenum">
+            <a:fld id="{39295C82-018D-486F-AFA9-368D80FF8F84}" type="slidenum">
               <a:rPr lang="en-GB" smtClean="0"/>
               <a:t>‹#›</a:t>
             </a:fld>
@@ -2457,7 +2456,7 @@
     </p:spTree>
     <p:extLst>
       <p:ext uri="{BB962C8B-B14F-4D97-AF65-F5344CB8AC3E}">
-        <p14:creationId xmlns:p14="http://schemas.microsoft.com/office/powerpoint/2010/main" val="2181625678"/>
+        <p14:creationId xmlns:p14="http://schemas.microsoft.com/office/powerpoint/2010/main" val="3414610637"/>
       </p:ext>
     </p:extLst>
   </p:cSld>
@@ -2489,7 +2488,7 @@
           <p:cNvPr id="2" name="Title 1">
             <a:extLst>
               <a:ext uri="{FF2B5EF4-FFF2-40B4-BE49-F238E27FC236}">
-                <a16:creationId xmlns:a16="http://schemas.microsoft.com/office/drawing/2014/main" id="{09A5BD8B-B310-48D0-9DC4-8E31F8EBD264}"/>
+                <a16:creationId xmlns:a16="http://schemas.microsoft.com/office/drawing/2014/main" id="{B5E4A3CA-02D3-4EAF-B3AD-869F91216614}"/>
               </a:ext>
             </a:extLst>
           </p:cNvPr>
@@ -2527,7 +2526,7 @@
           <p:cNvPr id="3" name="Picture Placeholder 2">
             <a:extLst>
               <a:ext uri="{FF2B5EF4-FFF2-40B4-BE49-F238E27FC236}">
-                <a16:creationId xmlns:a16="http://schemas.microsoft.com/office/drawing/2014/main" id="{F12C294C-851B-4AB8-A0CE-B6E862178B38}"/>
+                <a16:creationId xmlns:a16="http://schemas.microsoft.com/office/drawing/2014/main" id="{0699AF3A-2A0E-4FE7-87BD-EA68D504A719}"/>
               </a:ext>
             </a:extLst>
           </p:cNvPr>
@@ -2594,7 +2593,7 @@
           <p:cNvPr id="4" name="Text Placeholder 3">
             <a:extLst>
               <a:ext uri="{FF2B5EF4-FFF2-40B4-BE49-F238E27FC236}">
-                <a16:creationId xmlns:a16="http://schemas.microsoft.com/office/drawing/2014/main" id="{35A1BF65-E018-4503-8477-172F54A0DD78}"/>
+                <a16:creationId xmlns:a16="http://schemas.microsoft.com/office/drawing/2014/main" id="{25F22F9C-D770-4A51-8CD8-5F7C107979C5}"/>
               </a:ext>
             </a:extLst>
           </p:cNvPr>
@@ -2665,7 +2664,7 @@
           <p:cNvPr id="5" name="Date Placeholder 4">
             <a:extLst>
               <a:ext uri="{FF2B5EF4-FFF2-40B4-BE49-F238E27FC236}">
-                <a16:creationId xmlns:a16="http://schemas.microsoft.com/office/drawing/2014/main" id="{0720B057-C3C2-4D46-A730-F4EA39601F56}"/>
+                <a16:creationId xmlns:a16="http://schemas.microsoft.com/office/drawing/2014/main" id="{EDA3CA64-E514-4A9B-896F-D33EB2BAC49E}"/>
               </a:ext>
             </a:extLst>
           </p:cNvPr>
@@ -2681,7 +2680,7 @@
           <a:bodyPr/>
           <a:lstStyle/>
           <a:p>
-            <a:fld id="{55202623-863B-4C24-ACA7-10C214B1DDA6}" type="datetimeFigureOut">
+            <a:fld id="{79EFF1A2-934D-422C-8E30-070D38AF0727}" type="datetimeFigureOut">
               <a:rPr lang="en-GB" smtClean="0"/>
               <a:t>03/08/2020</a:t>
             </a:fld>
@@ -2694,7 +2693,7 @@
           <p:cNvPr id="6" name="Footer Placeholder 5">
             <a:extLst>
               <a:ext uri="{FF2B5EF4-FFF2-40B4-BE49-F238E27FC236}">
-                <a16:creationId xmlns:a16="http://schemas.microsoft.com/office/drawing/2014/main" id="{BF672FB9-7A7F-40AD-8B44-59F7183D349F}"/>
+                <a16:creationId xmlns:a16="http://schemas.microsoft.com/office/drawing/2014/main" id="{9B035007-4919-49D7-86BC-A9AFF2B09B22}"/>
               </a:ext>
             </a:extLst>
           </p:cNvPr>
@@ -2719,7 +2718,7 @@
           <p:cNvPr id="7" name="Slide Number Placeholder 6">
             <a:extLst>
               <a:ext uri="{FF2B5EF4-FFF2-40B4-BE49-F238E27FC236}">
-                <a16:creationId xmlns:a16="http://schemas.microsoft.com/office/drawing/2014/main" id="{B86553D2-31CC-4435-8E8A-0CF25C5F7D52}"/>
+                <a16:creationId xmlns:a16="http://schemas.microsoft.com/office/drawing/2014/main" id="{67CD1690-57BB-47D5-BE3E-EC206CBFB2E7}"/>
               </a:ext>
             </a:extLst>
           </p:cNvPr>
@@ -2735,7 +2734,7 @@
           <a:bodyPr/>
           <a:lstStyle/>
           <a:p>
-            <a:fld id="{39761946-461D-4E88-9ACF-2E438446085B}" type="slidenum">
+            <a:fld id="{39295C82-018D-486F-AFA9-368D80FF8F84}" type="slidenum">
               <a:rPr lang="en-GB" smtClean="0"/>
               <a:t>‹#›</a:t>
             </a:fld>
@@ -2746,7 +2745,7 @@
     </p:spTree>
     <p:extLst>
       <p:ext uri="{BB962C8B-B14F-4D97-AF65-F5344CB8AC3E}">
-        <p14:creationId xmlns:p14="http://schemas.microsoft.com/office/powerpoint/2010/main" val="2566519403"/>
+        <p14:creationId xmlns:p14="http://schemas.microsoft.com/office/powerpoint/2010/main" val="2350358550"/>
       </p:ext>
     </p:extLst>
   </p:cSld>
@@ -2783,7 +2782,7 @@
           <p:cNvPr id="2" name="Title Placeholder 1">
             <a:extLst>
               <a:ext uri="{FF2B5EF4-FFF2-40B4-BE49-F238E27FC236}">
-                <a16:creationId xmlns:a16="http://schemas.microsoft.com/office/drawing/2014/main" id="{D0F92F8E-5D8E-48A5-B467-52BAD80F90BD}"/>
+                <a16:creationId xmlns:a16="http://schemas.microsoft.com/office/drawing/2014/main" id="{969315D3-1390-4A5C-A41A-24B56738F903}"/>
               </a:ext>
             </a:extLst>
           </p:cNvPr>
@@ -2822,7 +2821,7 @@
           <p:cNvPr id="3" name="Text Placeholder 2">
             <a:extLst>
               <a:ext uri="{FF2B5EF4-FFF2-40B4-BE49-F238E27FC236}">
-                <a16:creationId xmlns:a16="http://schemas.microsoft.com/office/drawing/2014/main" id="{91FF9B0F-E98A-46F4-A958-547F7F9A77FC}"/>
+                <a16:creationId xmlns:a16="http://schemas.microsoft.com/office/drawing/2014/main" id="{E84F6F3A-A908-406E-9A87-55F166E1322B}"/>
               </a:ext>
             </a:extLst>
           </p:cNvPr>
@@ -2890,7 +2889,7 @@
           <p:cNvPr id="4" name="Date Placeholder 3">
             <a:extLst>
               <a:ext uri="{FF2B5EF4-FFF2-40B4-BE49-F238E27FC236}">
-                <a16:creationId xmlns:a16="http://schemas.microsoft.com/office/drawing/2014/main" id="{A7167ABD-CDF7-40ED-9F61-F921EC86A0EF}"/>
+                <a16:creationId xmlns:a16="http://schemas.microsoft.com/office/drawing/2014/main" id="{E567BE91-2A81-435D-BAF9-416DAC94FF4E}"/>
               </a:ext>
             </a:extLst>
           </p:cNvPr>
@@ -2924,7 +2923,7 @@
             </a:lvl1pPr>
           </a:lstStyle>
           <a:p>
-            <a:fld id="{55202623-863B-4C24-ACA7-10C214B1DDA6}" type="datetimeFigureOut">
+            <a:fld id="{79EFF1A2-934D-422C-8E30-070D38AF0727}" type="datetimeFigureOut">
               <a:rPr lang="en-GB" smtClean="0"/>
               <a:t>03/08/2020</a:t>
             </a:fld>
@@ -2937,7 +2936,7 @@
           <p:cNvPr id="5" name="Footer Placeholder 4">
             <a:extLst>
               <a:ext uri="{FF2B5EF4-FFF2-40B4-BE49-F238E27FC236}">
-                <a16:creationId xmlns:a16="http://schemas.microsoft.com/office/drawing/2014/main" id="{2105FA2D-ADBB-49DC-9236-68967529BD80}"/>
+                <a16:creationId xmlns:a16="http://schemas.microsoft.com/office/drawing/2014/main" id="{8FD862FD-73B2-45A4-BAC4-9C2B72766E68}"/>
               </a:ext>
             </a:extLst>
           </p:cNvPr>
@@ -2980,7 +2979,7 @@
           <p:cNvPr id="6" name="Slide Number Placeholder 5">
             <a:extLst>
               <a:ext uri="{FF2B5EF4-FFF2-40B4-BE49-F238E27FC236}">
-                <a16:creationId xmlns:a16="http://schemas.microsoft.com/office/drawing/2014/main" id="{0EC7E7D3-FFEC-4583-BB7C-5E9402D5E668}"/>
+                <a16:creationId xmlns:a16="http://schemas.microsoft.com/office/drawing/2014/main" id="{56EA463A-A244-4889-9E8B-9D7621F854E4}"/>
               </a:ext>
             </a:extLst>
           </p:cNvPr>
@@ -3014,7 +3013,7 @@
             </a:lvl1pPr>
           </a:lstStyle>
           <a:p>
-            <a:fld id="{39761946-461D-4E88-9ACF-2E438446085B}" type="slidenum">
+            <a:fld id="{39295C82-018D-486F-AFA9-368D80FF8F84}" type="slidenum">
               <a:rPr lang="en-GB" smtClean="0"/>
               <a:t>‹#›</a:t>
             </a:fld>
@@ -3025,7 +3024,7 @@
     </p:spTree>
     <p:extLst>
       <p:ext uri="{BB962C8B-B14F-4D97-AF65-F5344CB8AC3E}">
-        <p14:creationId xmlns:p14="http://schemas.microsoft.com/office/powerpoint/2010/main" val="3189311611"/>
+        <p14:creationId xmlns:p14="http://schemas.microsoft.com/office/powerpoint/2010/main" val="2893666085"/>
       </p:ext>
     </p:extLst>
   </p:cSld>
@@ -3353,10 +3352,10 @@
       </p:grpSpPr>
       <p:pic>
         <p:nvPicPr>
-          <p:cNvPr id="9" name="Picture 8" descr="A close up of a logo&#10;&#10;Description automatically generated">
-            <a:extLst>
-              <a:ext uri="{FF2B5EF4-FFF2-40B4-BE49-F238E27FC236}">
-                <a16:creationId xmlns:a16="http://schemas.microsoft.com/office/drawing/2014/main" id="{F2DE93D2-2A72-4635-AD8C-73E7407F01FE}"/>
+          <p:cNvPr id="5" name="Picture 4" descr="A close up of a logo&#10;&#10;Description automatically generated">
+            <a:extLst>
+              <a:ext uri="{FF2B5EF4-FFF2-40B4-BE49-F238E27FC236}">
+                <a16:creationId xmlns:a16="http://schemas.microsoft.com/office/drawing/2014/main" id="{0C54859E-0363-4F16-9F82-BAAD5F212208}"/>
               </a:ext>
             </a:extLst>
           </p:cNvPr>
@@ -3379,8 +3378,8 @@
         </p:blipFill>
         <p:spPr>
           <a:xfrm>
-            <a:off x="484632" y="2260981"/>
-            <a:ext cx="2560320" cy="2329891"/>
+            <a:off x="6287786" y="2289319"/>
+            <a:ext cx="2504792" cy="2279361"/>
           </a:xfrm>
           <a:prstGeom prst="rect">
             <a:avLst/>
@@ -3389,10 +3388,10 @@
       </p:pic>
       <p:pic>
         <p:nvPicPr>
-          <p:cNvPr id="7" name="Picture 6" descr="A close up of a logo&#10;&#10;Description automatically generated">
-            <a:extLst>
-              <a:ext uri="{FF2B5EF4-FFF2-40B4-BE49-F238E27FC236}">
-                <a16:creationId xmlns:a16="http://schemas.microsoft.com/office/drawing/2014/main" id="{A1BB4B62-1DEB-44FD-92EA-67BA3EFACC69}"/>
+          <p:cNvPr id="9" name="Picture 8" descr="A close up of a logo&#10;&#10;Description automatically generated">
+            <a:extLst>
+              <a:ext uri="{FF2B5EF4-FFF2-40B4-BE49-F238E27FC236}">
+                <a16:creationId xmlns:a16="http://schemas.microsoft.com/office/drawing/2014/main" id="{937A4403-7831-4DA4-BD6D-10D62606A295}"/>
               </a:ext>
             </a:extLst>
           </p:cNvPr>
@@ -3415,8 +3414,8 @@
         </p:blipFill>
         <p:spPr>
           <a:xfrm>
-            <a:off x="3671421" y="2621203"/>
-            <a:ext cx="1918324" cy="1745675"/>
+            <a:off x="3678499" y="2539956"/>
+            <a:ext cx="1947186" cy="1771939"/>
           </a:xfrm>
           <a:prstGeom prst="rect">
             <a:avLst/>
@@ -3425,10 +3424,10 @@
       </p:pic>
       <p:pic>
         <p:nvPicPr>
-          <p:cNvPr id="5" name="Picture 4" descr="A close up of a logo&#10;&#10;Description automatically generated">
-            <a:extLst>
-              <a:ext uri="{FF2B5EF4-FFF2-40B4-BE49-F238E27FC236}">
-                <a16:creationId xmlns:a16="http://schemas.microsoft.com/office/drawing/2014/main" id="{7BEC87BC-8897-4D64-9161-B19C9BA7883C}"/>
+          <p:cNvPr id="11" name="Picture 10" descr="A picture containing mirror&#10;&#10;Description automatically generated">
+            <a:extLst>
+              <a:ext uri="{FF2B5EF4-FFF2-40B4-BE49-F238E27FC236}">
+                <a16:creationId xmlns:a16="http://schemas.microsoft.com/office/drawing/2014/main" id="{7D501888-2897-4C9B-B29E-EF91E4C87480}"/>
               </a:ext>
             </a:extLst>
           </p:cNvPr>
@@ -3451,8 +3450,8 @@
         </p:blipFill>
         <p:spPr>
           <a:xfrm>
-            <a:off x="6407177" y="2621203"/>
-            <a:ext cx="1946248" cy="1761354"/>
+            <a:off x="504038" y="2406743"/>
+            <a:ext cx="2259131" cy="2044513"/>
           </a:xfrm>
           <a:prstGeom prst="rect">
             <a:avLst/>
@@ -3461,10 +3460,10 @@
       </p:pic>
       <p:pic>
         <p:nvPicPr>
-          <p:cNvPr id="11" name="Picture 10" descr="A picture containing light&#10;&#10;Description automatically generated">
-            <a:extLst>
-              <a:ext uri="{FF2B5EF4-FFF2-40B4-BE49-F238E27FC236}">
-                <a16:creationId xmlns:a16="http://schemas.microsoft.com/office/drawing/2014/main" id="{3182A573-8BEC-41D1-8CCC-675A4F42D794}"/>
+          <p:cNvPr id="13" name="Picture 12" descr="A picture containing light&#10;&#10;Description automatically generated">
+            <a:extLst>
+              <a:ext uri="{FF2B5EF4-FFF2-40B4-BE49-F238E27FC236}">
+                <a16:creationId xmlns:a16="http://schemas.microsoft.com/office/drawing/2014/main" id="{FBA9D519-C1D7-4EBE-A524-715A529D75EF}"/>
               </a:ext>
             </a:extLst>
           </p:cNvPr>
@@ -3487,8 +3486,8 @@
         </p:blipFill>
         <p:spPr>
           <a:xfrm>
-            <a:off x="9120662" y="2267382"/>
-            <a:ext cx="2560320" cy="2317089"/>
+            <a:off x="9120663" y="2340136"/>
+            <a:ext cx="2406330" cy="2177728"/>
           </a:xfrm>
           <a:prstGeom prst="rect">
             <a:avLst/>
@@ -3498,189 +3497,7 @@
     </p:spTree>
     <p:extLst>
       <p:ext uri="{BB962C8B-B14F-4D97-AF65-F5344CB8AC3E}">
-        <p14:creationId xmlns:p14="http://schemas.microsoft.com/office/powerpoint/2010/main" val="785312192"/>
-      </p:ext>
-    </p:extLst>
-  </p:cSld>
-  <p:clrMapOvr>
-    <a:masterClrMapping/>
-  </p:clrMapOvr>
-</p:sld>
-</file>
-
-<file path=ppt/slides/slide2.xml><?xml version="1.0" encoding="utf-8"?>
-<p:sld xmlns:a="http://schemas.openxmlformats.org/drawingml/2006/main" xmlns:r="http://schemas.openxmlformats.org/officeDocument/2006/relationships" xmlns:p="http://schemas.openxmlformats.org/presentationml/2006/main">
-  <p:cSld>
-    <p:bg>
-      <p:bgPr>
-        <a:solidFill>
-          <a:schemeClr val="bg1"/>
-        </a:solidFill>
-        <a:effectLst/>
-      </p:bgPr>
-    </p:bg>
-    <p:spTree>
-      <p:nvGrpSpPr>
-        <p:cNvPr id="1" name=""/>
-        <p:cNvGrpSpPr/>
-        <p:nvPr/>
-      </p:nvGrpSpPr>
-      <p:grpSpPr>
-        <a:xfrm>
-          <a:off x="0" y="0"/>
-          <a:ext cx="0" cy="0"/>
-          <a:chOff x="0" y="0"/>
-          <a:chExt cx="0" cy="0"/>
-        </a:xfrm>
-      </p:grpSpPr>
-      <p:pic>
-        <p:nvPicPr>
-          <p:cNvPr id="9" name="Picture 8" descr="A close up of a logo&#10;&#10;Description automatically generated">
-            <a:extLst>
-              <a:ext uri="{FF2B5EF4-FFF2-40B4-BE49-F238E27FC236}">
-                <a16:creationId xmlns:a16="http://schemas.microsoft.com/office/drawing/2014/main" id="{C0038394-D065-4B2C-89F7-AF9862457E68}"/>
-              </a:ext>
-            </a:extLst>
-          </p:cNvPr>
-          <p:cNvPicPr>
-            <a:picLocks noChangeAspect="1"/>
-          </p:cNvPicPr>
-          <p:nvPr/>
-        </p:nvPicPr>
-        <p:blipFill>
-          <a:blip r:embed="rId2">
-            <a:extLst>
-              <a:ext uri="{28A0092B-C50C-407E-A947-70E740481C1C}">
-                <a14:useLocalDpi xmlns:a14="http://schemas.microsoft.com/office/drawing/2010/main" val="0"/>
-              </a:ext>
-            </a:extLst>
-          </a:blip>
-          <a:stretch>
-            <a:fillRect/>
-          </a:stretch>
-        </p:blipFill>
-        <p:spPr>
-          <a:xfrm>
-            <a:off x="484632" y="2260981"/>
-            <a:ext cx="2560320" cy="2329891"/>
-          </a:xfrm>
-          <a:prstGeom prst="rect">
-            <a:avLst/>
-          </a:prstGeom>
-        </p:spPr>
-      </p:pic>
-      <p:pic>
-        <p:nvPicPr>
-          <p:cNvPr id="7" name="Picture 6" descr="A close up of a logo&#10;&#10;Description automatically generated">
-            <a:extLst>
-              <a:ext uri="{FF2B5EF4-FFF2-40B4-BE49-F238E27FC236}">
-                <a16:creationId xmlns:a16="http://schemas.microsoft.com/office/drawing/2014/main" id="{AF5B2DE0-9790-47C6-B603-0453BCA62746}"/>
-              </a:ext>
-            </a:extLst>
-          </p:cNvPr>
-          <p:cNvPicPr>
-            <a:picLocks noChangeAspect="1"/>
-          </p:cNvPicPr>
-          <p:nvPr/>
-        </p:nvPicPr>
-        <p:blipFill>
-          <a:blip r:embed="rId3">
-            <a:extLst>
-              <a:ext uri="{28A0092B-C50C-407E-A947-70E740481C1C}">
-                <a14:useLocalDpi xmlns:a14="http://schemas.microsoft.com/office/drawing/2010/main" val="0"/>
-              </a:ext>
-            </a:extLst>
-          </a:blip>
-          <a:stretch>
-            <a:fillRect/>
-          </a:stretch>
-        </p:blipFill>
-        <p:spPr>
-          <a:xfrm>
-            <a:off x="3354631" y="2260981"/>
-            <a:ext cx="2560320" cy="2329891"/>
-          </a:xfrm>
-          <a:prstGeom prst="rect">
-            <a:avLst/>
-          </a:prstGeom>
-        </p:spPr>
-      </p:pic>
-      <p:pic>
-        <p:nvPicPr>
-          <p:cNvPr id="5" name="Picture 4" descr="A close up of a logo&#10;&#10;Description automatically generated">
-            <a:extLst>
-              <a:ext uri="{FF2B5EF4-FFF2-40B4-BE49-F238E27FC236}">
-                <a16:creationId xmlns:a16="http://schemas.microsoft.com/office/drawing/2014/main" id="{2AE738F0-52E4-439A-A8D4-FA544848D533}"/>
-              </a:ext>
-            </a:extLst>
-          </p:cNvPr>
-          <p:cNvPicPr>
-            <a:picLocks noChangeAspect="1"/>
-          </p:cNvPicPr>
-          <p:nvPr/>
-        </p:nvPicPr>
-        <p:blipFill>
-          <a:blip r:embed="rId4">
-            <a:extLst>
-              <a:ext uri="{28A0092B-C50C-407E-A947-70E740481C1C}">
-                <a14:useLocalDpi xmlns:a14="http://schemas.microsoft.com/office/drawing/2010/main" val="0"/>
-              </a:ext>
-            </a:extLst>
-          </a:blip>
-          <a:stretch>
-            <a:fillRect/>
-          </a:stretch>
-        </p:blipFill>
-        <p:spPr>
-          <a:xfrm>
-            <a:off x="6235726" y="2267382"/>
-            <a:ext cx="2560320" cy="2317089"/>
-          </a:xfrm>
-          <a:prstGeom prst="rect">
-            <a:avLst/>
-          </a:prstGeom>
-        </p:spPr>
-      </p:pic>
-      <p:pic>
-        <p:nvPicPr>
-          <p:cNvPr id="11" name="Picture 10" descr="A picture containing light&#10;&#10;Description automatically generated">
-            <a:extLst>
-              <a:ext uri="{FF2B5EF4-FFF2-40B4-BE49-F238E27FC236}">
-                <a16:creationId xmlns:a16="http://schemas.microsoft.com/office/drawing/2014/main" id="{1F25C6EC-B72A-4E41-884C-60941C04457C}"/>
-              </a:ext>
-            </a:extLst>
-          </p:cNvPr>
-          <p:cNvPicPr>
-            <a:picLocks noChangeAspect="1"/>
-          </p:cNvPicPr>
-          <p:nvPr/>
-        </p:nvPicPr>
-        <p:blipFill>
-          <a:blip r:embed="rId5">
-            <a:extLst>
-              <a:ext uri="{28A0092B-C50C-407E-A947-70E740481C1C}">
-                <a14:useLocalDpi xmlns:a14="http://schemas.microsoft.com/office/drawing/2010/main" val="0"/>
-              </a:ext>
-            </a:extLst>
-          </a:blip>
-          <a:stretch>
-            <a:fillRect/>
-          </a:stretch>
-        </p:blipFill>
-        <p:spPr>
-          <a:xfrm>
-            <a:off x="9120662" y="2267382"/>
-            <a:ext cx="2560320" cy="2317089"/>
-          </a:xfrm>
-          <a:prstGeom prst="rect">
-            <a:avLst/>
-          </a:prstGeom>
-        </p:spPr>
-      </p:pic>
-    </p:spTree>
-    <p:extLst>
-      <p:ext uri="{BB962C8B-B14F-4D97-AF65-F5344CB8AC3E}">
-        <p14:creationId xmlns:p14="http://schemas.microsoft.com/office/powerpoint/2010/main" val="1719926132"/>
+        <p14:creationId xmlns:p14="http://schemas.microsoft.com/office/powerpoint/2010/main" val="2809354186"/>
       </p:ext>
     </p:extLst>
   </p:cSld>
